--- a/Steuerung.pptx
+++ b/Steuerung.pptx
@@ -104,6 +104,11 @@
       </a:defRPr>
     </a:lvl9pPr>
   </p:defaultTextStyle>
+  <p:extLst>
+    <p:ext uri="{EFAFB233-063F-42B5-8137-9DF3F51BA10A}">
+      <p15:sldGuideLst xmlns:p15="http://schemas.microsoft.com/office/powerpoint/2012/main"/>
+    </p:ext>
+  </p:extLst>
 </p:presentation>
 </file>
 
@@ -254,7 +259,7 @@
           <a:p>
             <a:fld id="{A1E2DB1C-1E5E-4174-A3AE-A333EC50C7F4}" type="datetimeFigureOut">
               <a:rPr lang="de-DE" smtClean="0"/>
-              <a:t>25.04.2021</a:t>
+              <a:t>28.04.2021</a:t>
             </a:fld>
             <a:endParaRPr lang="de-DE"/>
           </a:p>
@@ -452,7 +457,7 @@
           <a:p>
             <a:fld id="{A1E2DB1C-1E5E-4174-A3AE-A333EC50C7F4}" type="datetimeFigureOut">
               <a:rPr lang="de-DE" smtClean="0"/>
-              <a:t>25.04.2021</a:t>
+              <a:t>28.04.2021</a:t>
             </a:fld>
             <a:endParaRPr lang="de-DE"/>
           </a:p>
@@ -660,7 +665,7 @@
           <a:p>
             <a:fld id="{A1E2DB1C-1E5E-4174-A3AE-A333EC50C7F4}" type="datetimeFigureOut">
               <a:rPr lang="de-DE" smtClean="0"/>
-              <a:t>25.04.2021</a:t>
+              <a:t>28.04.2021</a:t>
             </a:fld>
             <a:endParaRPr lang="de-DE"/>
           </a:p>
@@ -858,7 +863,7 @@
           <a:p>
             <a:fld id="{A1E2DB1C-1E5E-4174-A3AE-A333EC50C7F4}" type="datetimeFigureOut">
               <a:rPr lang="de-DE" smtClean="0"/>
-              <a:t>25.04.2021</a:t>
+              <a:t>28.04.2021</a:t>
             </a:fld>
             <a:endParaRPr lang="de-DE"/>
           </a:p>
@@ -1133,7 +1138,7 @@
           <a:p>
             <a:fld id="{A1E2DB1C-1E5E-4174-A3AE-A333EC50C7F4}" type="datetimeFigureOut">
               <a:rPr lang="de-DE" smtClean="0"/>
-              <a:t>25.04.2021</a:t>
+              <a:t>28.04.2021</a:t>
             </a:fld>
             <a:endParaRPr lang="de-DE"/>
           </a:p>
@@ -1398,7 +1403,7 @@
           <a:p>
             <a:fld id="{A1E2DB1C-1E5E-4174-A3AE-A333EC50C7F4}" type="datetimeFigureOut">
               <a:rPr lang="de-DE" smtClean="0"/>
-              <a:t>25.04.2021</a:t>
+              <a:t>28.04.2021</a:t>
             </a:fld>
             <a:endParaRPr lang="de-DE"/>
           </a:p>
@@ -1810,7 +1815,7 @@
           <a:p>
             <a:fld id="{A1E2DB1C-1E5E-4174-A3AE-A333EC50C7F4}" type="datetimeFigureOut">
               <a:rPr lang="de-DE" smtClean="0"/>
-              <a:t>25.04.2021</a:t>
+              <a:t>28.04.2021</a:t>
             </a:fld>
             <a:endParaRPr lang="de-DE"/>
           </a:p>
@@ -1951,7 +1956,7 @@
           <a:p>
             <a:fld id="{A1E2DB1C-1E5E-4174-A3AE-A333EC50C7F4}" type="datetimeFigureOut">
               <a:rPr lang="de-DE" smtClean="0"/>
-              <a:t>25.04.2021</a:t>
+              <a:t>28.04.2021</a:t>
             </a:fld>
             <a:endParaRPr lang="de-DE"/>
           </a:p>
@@ -2064,7 +2069,7 @@
           <a:p>
             <a:fld id="{A1E2DB1C-1E5E-4174-A3AE-A333EC50C7F4}" type="datetimeFigureOut">
               <a:rPr lang="de-DE" smtClean="0"/>
-              <a:t>25.04.2021</a:t>
+              <a:t>28.04.2021</a:t>
             </a:fld>
             <a:endParaRPr lang="de-DE"/>
           </a:p>
@@ -2375,7 +2380,7 @@
           <a:p>
             <a:fld id="{A1E2DB1C-1E5E-4174-A3AE-A333EC50C7F4}" type="datetimeFigureOut">
               <a:rPr lang="de-DE" smtClean="0"/>
-              <a:t>25.04.2021</a:t>
+              <a:t>28.04.2021</a:t>
             </a:fld>
             <a:endParaRPr lang="de-DE"/>
           </a:p>
@@ -2663,7 +2668,7 @@
           <a:p>
             <a:fld id="{A1E2DB1C-1E5E-4174-A3AE-A333EC50C7F4}" type="datetimeFigureOut">
               <a:rPr lang="de-DE" smtClean="0"/>
-              <a:t>25.04.2021</a:t>
+              <a:t>28.04.2021</a:t>
             </a:fld>
             <a:endParaRPr lang="de-DE"/>
           </a:p>
@@ -2904,7 +2909,7 @@
           <a:p>
             <a:fld id="{A1E2DB1C-1E5E-4174-A3AE-A333EC50C7F4}" type="datetimeFigureOut">
               <a:rPr lang="de-DE" smtClean="0"/>
-              <a:t>25.04.2021</a:t>
+              <a:t>28.04.2021</a:t>
             </a:fld>
             <a:endParaRPr lang="de-DE"/>
           </a:p>
@@ -3596,44 +3601,6 @@
       </p:cxnSp>
       <p:cxnSp>
         <p:nvCxnSpPr>
-          <p:cNvPr id="39" name="Gerader Verbinder 38">
-            <a:extLst>
-              <a:ext uri="{FF2B5EF4-FFF2-40B4-BE49-F238E27FC236}">
-                <a16:creationId xmlns:a16="http://schemas.microsoft.com/office/drawing/2014/main" id="{A4602FF2-4B8B-4AEC-986D-5EFDEE457EE5}"/>
-              </a:ext>
-            </a:extLst>
-          </p:cNvPr>
-          <p:cNvCxnSpPr>
-            <a:cxnSpLocks/>
-          </p:cNvCxnSpPr>
-          <p:nvPr/>
-        </p:nvCxnSpPr>
-        <p:spPr>
-          <a:xfrm flipH="1" flipV="1">
-            <a:off x="755009" y="438539"/>
-            <a:ext cx="8389" cy="1650320"/>
-          </a:xfrm>
-          <a:prstGeom prst="line">
-            <a:avLst/>
-          </a:prstGeom>
-        </p:spPr>
-        <p:style>
-          <a:lnRef idx="1">
-            <a:schemeClr val="accent1"/>
-          </a:lnRef>
-          <a:fillRef idx="0">
-            <a:schemeClr val="accent1"/>
-          </a:fillRef>
-          <a:effectRef idx="0">
-            <a:schemeClr val="accent1"/>
-          </a:effectRef>
-          <a:fontRef idx="minor">
-            <a:schemeClr val="tx1"/>
-          </a:fontRef>
-        </p:style>
-      </p:cxnSp>
-      <p:cxnSp>
-        <p:nvCxnSpPr>
           <p:cNvPr id="41" name="Gerader Verbinder 40">
             <a:extLst>
               <a:ext uri="{FF2B5EF4-FFF2-40B4-BE49-F238E27FC236}">
@@ -4537,8 +4504,8 @@
         </p:nvCxnSpPr>
         <p:spPr>
           <a:xfrm flipH="1">
-            <a:off x="6518246" y="1668377"/>
-            <a:ext cx="600546" cy="0"/>
+            <a:off x="6107823" y="1668377"/>
+            <a:ext cx="1010969" cy="0"/>
           </a:xfrm>
           <a:prstGeom prst="line">
             <a:avLst/>
@@ -4613,7 +4580,7 @@
         </p:nvCxnSpPr>
         <p:spPr>
           <a:xfrm>
-            <a:off x="6528033" y="1668377"/>
+            <a:off x="6107823" y="1668377"/>
             <a:ext cx="0" cy="1760623"/>
           </a:xfrm>
           <a:prstGeom prst="line">
@@ -4651,8 +4618,8 @@
         </p:nvCxnSpPr>
         <p:spPr>
           <a:xfrm flipH="1">
-            <a:off x="5517647" y="3429000"/>
-            <a:ext cx="1010386" cy="11023"/>
+            <a:off x="5517647" y="3434919"/>
+            <a:ext cx="590176" cy="5104"/>
           </a:xfrm>
           <a:prstGeom prst="line">
             <a:avLst/>
@@ -5091,44 +5058,6 @@
       </p:sp>
       <p:cxnSp>
         <p:nvCxnSpPr>
-          <p:cNvPr id="110" name="Gerader Verbinder 109">
-            <a:extLst>
-              <a:ext uri="{FF2B5EF4-FFF2-40B4-BE49-F238E27FC236}">
-                <a16:creationId xmlns:a16="http://schemas.microsoft.com/office/drawing/2014/main" id="{7E087B3B-D93E-42F8-AA90-627C739DCFC2}"/>
-              </a:ext>
-            </a:extLst>
-          </p:cNvPr>
-          <p:cNvCxnSpPr>
-            <a:cxnSpLocks/>
-          </p:cNvCxnSpPr>
-          <p:nvPr/>
-        </p:nvCxnSpPr>
-        <p:spPr>
-          <a:xfrm flipV="1">
-            <a:off x="3313651" y="4066469"/>
-            <a:ext cx="0" cy="531183"/>
-          </a:xfrm>
-          <a:prstGeom prst="line">
-            <a:avLst/>
-          </a:prstGeom>
-        </p:spPr>
-        <p:style>
-          <a:lnRef idx="1">
-            <a:schemeClr val="accent1"/>
-          </a:lnRef>
-          <a:fillRef idx="0">
-            <a:schemeClr val="accent1"/>
-          </a:fillRef>
-          <a:effectRef idx="0">
-            <a:schemeClr val="accent1"/>
-          </a:effectRef>
-          <a:fontRef idx="minor">
-            <a:schemeClr val="tx1"/>
-          </a:fontRef>
-        </p:style>
-      </p:cxnSp>
-      <p:cxnSp>
-        <p:nvCxnSpPr>
           <p:cNvPr id="114" name="Gerader Verbinder 113">
             <a:extLst>
               <a:ext uri="{FF2B5EF4-FFF2-40B4-BE49-F238E27FC236}">
@@ -5146,44 +5075,6 @@
           <a:xfrm flipV="1">
             <a:off x="475861" y="438538"/>
             <a:ext cx="3760578" cy="1"/>
-          </a:xfrm>
-          <a:prstGeom prst="line">
-            <a:avLst/>
-          </a:prstGeom>
-        </p:spPr>
-        <p:style>
-          <a:lnRef idx="1">
-            <a:schemeClr val="accent1"/>
-          </a:lnRef>
-          <a:fillRef idx="0">
-            <a:schemeClr val="accent1"/>
-          </a:fillRef>
-          <a:effectRef idx="0">
-            <a:schemeClr val="accent1"/>
-          </a:effectRef>
-          <a:fontRef idx="minor">
-            <a:schemeClr val="tx1"/>
-          </a:fontRef>
-        </p:style>
-      </p:cxnSp>
-      <p:cxnSp>
-        <p:nvCxnSpPr>
-          <p:cNvPr id="116" name="Gerader Verbinder 115">
-            <a:extLst>
-              <a:ext uri="{FF2B5EF4-FFF2-40B4-BE49-F238E27FC236}">
-                <a16:creationId xmlns:a16="http://schemas.microsoft.com/office/drawing/2014/main" id="{90D1C082-42F7-4270-BC1A-3A47BE3EEEF9}"/>
-              </a:ext>
-            </a:extLst>
-          </p:cNvPr>
-          <p:cNvCxnSpPr>
-            <a:cxnSpLocks/>
-          </p:cNvCxnSpPr>
-          <p:nvPr/>
-        </p:nvCxnSpPr>
-        <p:spPr>
-          <a:xfrm flipV="1">
-            <a:off x="3313651" y="4050691"/>
-            <a:ext cx="3473987" cy="22388"/>
           </a:xfrm>
           <a:prstGeom prst="line">
             <a:avLst/>
@@ -5242,50 +5133,12 @@
           </a:fontRef>
         </p:style>
       </p:cxnSp>
-      <p:cxnSp>
-        <p:nvCxnSpPr>
-          <p:cNvPr id="119" name="Gerader Verbinder 118">
-            <a:extLst>
-              <a:ext uri="{FF2B5EF4-FFF2-40B4-BE49-F238E27FC236}">
-                <a16:creationId xmlns:a16="http://schemas.microsoft.com/office/drawing/2014/main" id="{69069A0C-34F2-466E-BEC2-E408C4BB1B6A}"/>
-              </a:ext>
-            </a:extLst>
-          </p:cNvPr>
-          <p:cNvCxnSpPr>
-            <a:cxnSpLocks/>
-          </p:cNvCxnSpPr>
-          <p:nvPr/>
-        </p:nvCxnSpPr>
-        <p:spPr>
-          <a:xfrm>
-            <a:off x="6787638" y="3180160"/>
-            <a:ext cx="0" cy="892917"/>
-          </a:xfrm>
-          <a:prstGeom prst="line">
-            <a:avLst/>
-          </a:prstGeom>
-        </p:spPr>
-        <p:style>
-          <a:lnRef idx="1">
-            <a:schemeClr val="accent1"/>
-          </a:lnRef>
-          <a:fillRef idx="0">
-            <a:schemeClr val="accent1"/>
-          </a:fillRef>
-          <a:effectRef idx="0">
-            <a:schemeClr val="accent1"/>
-          </a:effectRef>
-          <a:fontRef idx="minor">
-            <a:schemeClr val="tx1"/>
-          </a:fontRef>
-        </p:style>
-      </p:cxnSp>
-      <p:sp>
-        <p:nvSpPr>
-          <p:cNvPr id="122" name="Textfeld 121">
-            <a:extLst>
-              <a:ext uri="{FF2B5EF4-FFF2-40B4-BE49-F238E27FC236}">
-                <a16:creationId xmlns:a16="http://schemas.microsoft.com/office/drawing/2014/main" id="{AB63CECD-A8B4-4559-8ED1-57137DB476B9}"/>
+      <p:sp>
+        <p:nvSpPr>
+          <p:cNvPr id="123" name="Textfeld 122">
+            <a:extLst>
+              <a:ext uri="{FF2B5EF4-FFF2-40B4-BE49-F238E27FC236}">
+                <a16:creationId xmlns:a16="http://schemas.microsoft.com/office/drawing/2014/main" id="{11526B99-A2B3-4E78-8F89-2BF0F2BD4E8E}"/>
               </a:ext>
             </a:extLst>
           </p:cNvPr>
@@ -5294,8 +5147,8 @@
         </p:nvSpPr>
         <p:spPr>
           <a:xfrm>
-            <a:off x="2356150" y="4317903"/>
-            <a:ext cx="428322" cy="276999"/>
+            <a:off x="7060739" y="3041660"/>
+            <a:ext cx="648743" cy="276999"/>
           </a:xfrm>
           <a:prstGeom prst="rect">
             <a:avLst/>
@@ -5303,41 +5156,6 @@
           <a:noFill/>
         </p:spPr>
         <p:txBody>
-          <a:bodyPr wrap="none" rtlCol="0">
-            <a:spAutoFit/>
-          </a:bodyPr>
-          <a:lstStyle/>
-          <a:p>
-            <a:r>
-              <a:rPr lang="de-DE" sz="1200" dirty="0"/>
-              <a:t>12V</a:t>
-            </a:r>
-          </a:p>
-        </p:txBody>
-      </p:sp>
-      <p:sp>
-        <p:nvSpPr>
-          <p:cNvPr id="123" name="Textfeld 122">
-            <a:extLst>
-              <a:ext uri="{FF2B5EF4-FFF2-40B4-BE49-F238E27FC236}">
-                <a16:creationId xmlns:a16="http://schemas.microsoft.com/office/drawing/2014/main" id="{11526B99-A2B3-4E78-8F89-2BF0F2BD4E8E}"/>
-              </a:ext>
-            </a:extLst>
-          </p:cNvPr>
-          <p:cNvSpPr txBox="1"/>
-          <p:nvPr/>
-        </p:nvSpPr>
-        <p:spPr>
-          <a:xfrm>
-            <a:off x="7060739" y="3041660"/>
-            <a:ext cx="648743" cy="276999"/>
-          </a:xfrm>
-          <a:prstGeom prst="rect">
-            <a:avLst/>
-          </a:prstGeom>
-          <a:noFill/>
-        </p:spPr>
-        <p:txBody>
           <a:bodyPr wrap="square" rtlCol="0">
             <a:spAutoFit/>
           </a:bodyPr>
@@ -5347,50 +5165,6 @@
               <a:rPr lang="de-DE" sz="1200" dirty="0"/>
               <a:t>Out</a:t>
             </a:r>
-          </a:p>
-        </p:txBody>
-      </p:sp>
-      <p:sp>
-        <p:nvSpPr>
-          <p:cNvPr id="124" name="Textfeld 123">
-            <a:extLst>
-              <a:ext uri="{FF2B5EF4-FFF2-40B4-BE49-F238E27FC236}">
-                <a16:creationId xmlns:a16="http://schemas.microsoft.com/office/drawing/2014/main" id="{D3B3A913-5A80-41BC-A75E-8ABD8D3B7D47}"/>
-              </a:ext>
-            </a:extLst>
-          </p:cNvPr>
-          <p:cNvSpPr txBox="1"/>
-          <p:nvPr/>
-        </p:nvSpPr>
-        <p:spPr>
-          <a:xfrm>
-            <a:off x="5988744" y="3803328"/>
-            <a:ext cx="817403" cy="276999"/>
-          </a:xfrm>
-          <a:prstGeom prst="rect">
-            <a:avLst/>
-          </a:prstGeom>
-          <a:noFill/>
-        </p:spPr>
-        <p:txBody>
-          <a:bodyPr wrap="none" rtlCol="0">
-            <a:spAutoFit/>
-          </a:bodyPr>
-          <a:lstStyle/>
-          <a:p>
-            <a:r>
-              <a:rPr lang="de-DE" sz="1200" dirty="0" err="1"/>
-              <a:t>active</a:t>
-            </a:r>
-            <a:r>
-              <a:rPr lang="de-DE" sz="1200" dirty="0"/>
-              <a:t> </a:t>
-            </a:r>
-            <a:r>
-              <a:rPr lang="de-DE" sz="1200" dirty="0" err="1"/>
-              <a:t>low</a:t>
-            </a:r>
-            <a:endParaRPr lang="de-DE" sz="1200" dirty="0"/>
           </a:p>
         </p:txBody>
       </p:sp>
@@ -5796,6 +5570,152 @@
             <a:r>
               <a:rPr lang="de-DE" sz="1200" dirty="0"/>
               <a:t>Gesperrt</a:t>
+            </a:r>
+          </a:p>
+        </p:txBody>
+      </p:sp>
+      <p:cxnSp>
+        <p:nvCxnSpPr>
+          <p:cNvPr id="60" name="Gerader Verbinder 59">
+            <a:extLst>
+              <a:ext uri="{FF2B5EF4-FFF2-40B4-BE49-F238E27FC236}">
+                <a16:creationId xmlns:a16="http://schemas.microsoft.com/office/drawing/2014/main" id="{994EB482-8D8C-4976-8AB5-22EDCB11BFB5}"/>
+              </a:ext>
+            </a:extLst>
+          </p:cNvPr>
+          <p:cNvCxnSpPr>
+            <a:cxnSpLocks/>
+          </p:cNvCxnSpPr>
+          <p:nvPr/>
+        </p:nvCxnSpPr>
+        <p:spPr>
+          <a:xfrm>
+            <a:off x="3340427" y="428363"/>
+            <a:ext cx="44974" cy="4172231"/>
+          </a:xfrm>
+          <a:prstGeom prst="line">
+            <a:avLst/>
+          </a:prstGeom>
+        </p:spPr>
+        <p:style>
+          <a:lnRef idx="1">
+            <a:schemeClr val="accent1"/>
+          </a:lnRef>
+          <a:fillRef idx="0">
+            <a:schemeClr val="accent1"/>
+          </a:fillRef>
+          <a:effectRef idx="0">
+            <a:schemeClr val="accent1"/>
+          </a:effectRef>
+          <a:fontRef idx="minor">
+            <a:schemeClr val="tx1"/>
+          </a:fontRef>
+        </p:style>
+      </p:cxnSp>
+      <p:sp>
+        <p:nvSpPr>
+          <p:cNvPr id="64" name="Textfeld 63">
+            <a:extLst>
+              <a:ext uri="{FF2B5EF4-FFF2-40B4-BE49-F238E27FC236}">
+                <a16:creationId xmlns:a16="http://schemas.microsoft.com/office/drawing/2014/main" id="{C58FAB29-5840-49ED-BE1F-5638F65B184B}"/>
+              </a:ext>
+            </a:extLst>
+          </p:cNvPr>
+          <p:cNvSpPr txBox="1"/>
+          <p:nvPr/>
+        </p:nvSpPr>
+        <p:spPr>
+          <a:xfrm>
+            <a:off x="3332773" y="4341407"/>
+            <a:ext cx="428322" cy="276999"/>
+          </a:xfrm>
+          <a:prstGeom prst="rect">
+            <a:avLst/>
+          </a:prstGeom>
+          <a:noFill/>
+        </p:spPr>
+        <p:txBody>
+          <a:bodyPr wrap="none" rtlCol="0">
+            <a:spAutoFit/>
+          </a:bodyPr>
+          <a:lstStyle/>
+          <a:p>
+            <a:r>
+              <a:rPr lang="de-DE" sz="1200" dirty="0"/>
+              <a:t>12V</a:t>
+            </a:r>
+          </a:p>
+        </p:txBody>
+      </p:sp>
+      <p:sp>
+        <p:nvSpPr>
+          <p:cNvPr id="65" name="Textfeld 64">
+            <a:extLst>
+              <a:ext uri="{FF2B5EF4-FFF2-40B4-BE49-F238E27FC236}">
+                <a16:creationId xmlns:a16="http://schemas.microsoft.com/office/drawing/2014/main" id="{4F91A4FB-E593-4CC2-9483-C060C4316ECD}"/>
+              </a:ext>
+            </a:extLst>
+          </p:cNvPr>
+          <p:cNvSpPr txBox="1"/>
+          <p:nvPr/>
+        </p:nvSpPr>
+        <p:spPr>
+          <a:xfrm>
+            <a:off x="6256891" y="3170527"/>
+            <a:ext cx="949299" cy="461665"/>
+          </a:xfrm>
+          <a:prstGeom prst="rect">
+            <a:avLst/>
+          </a:prstGeom>
+          <a:noFill/>
+        </p:spPr>
+        <p:txBody>
+          <a:bodyPr wrap="none" rtlCol="0">
+            <a:spAutoFit/>
+          </a:bodyPr>
+          <a:lstStyle/>
+          <a:p>
+            <a:r>
+              <a:rPr lang="de-DE" sz="1200" dirty="0"/>
+              <a:t>Zu ULN2003</a:t>
+            </a:r>
+          </a:p>
+          <a:p>
+            <a:endParaRPr lang="de-DE" sz="1200" dirty="0"/>
+          </a:p>
+        </p:txBody>
+      </p:sp>
+      <p:sp>
+        <p:nvSpPr>
+          <p:cNvPr id="66" name="Textfeld 65">
+            <a:extLst>
+              <a:ext uri="{FF2B5EF4-FFF2-40B4-BE49-F238E27FC236}">
+                <a16:creationId xmlns:a16="http://schemas.microsoft.com/office/drawing/2014/main" id="{F411A114-EBF9-4E3E-87E3-CE418C87BE41}"/>
+              </a:ext>
+            </a:extLst>
+          </p:cNvPr>
+          <p:cNvSpPr txBox="1"/>
+          <p:nvPr/>
+        </p:nvSpPr>
+        <p:spPr>
+          <a:xfrm>
+            <a:off x="410019" y="1766678"/>
+            <a:ext cx="723531" cy="276999"/>
+          </a:xfrm>
+          <a:prstGeom prst="rect">
+            <a:avLst/>
+          </a:prstGeom>
+          <a:noFill/>
+        </p:spPr>
+        <p:txBody>
+          <a:bodyPr wrap="none" rtlCol="0">
+            <a:spAutoFit/>
+          </a:bodyPr>
+          <a:lstStyle/>
+          <a:p>
+            <a:r>
+              <a:rPr lang="de-DE" sz="1200" dirty="0"/>
+              <a:t>Von Pico</a:t>
             </a:r>
           </a:p>
         </p:txBody>

--- a/Steuerung.pptx
+++ b/Steuerung.pptx
@@ -259,7 +259,7 @@
           <a:p>
             <a:fld id="{A1E2DB1C-1E5E-4174-A3AE-A333EC50C7F4}" type="datetimeFigureOut">
               <a:rPr lang="de-DE" smtClean="0"/>
-              <a:t>28.04.2021</a:t>
+              <a:t>18.05.2021</a:t>
             </a:fld>
             <a:endParaRPr lang="de-DE"/>
           </a:p>
@@ -457,7 +457,7 @@
           <a:p>
             <a:fld id="{A1E2DB1C-1E5E-4174-A3AE-A333EC50C7F4}" type="datetimeFigureOut">
               <a:rPr lang="de-DE" smtClean="0"/>
-              <a:t>28.04.2021</a:t>
+              <a:t>18.05.2021</a:t>
             </a:fld>
             <a:endParaRPr lang="de-DE"/>
           </a:p>
@@ -665,7 +665,7 @@
           <a:p>
             <a:fld id="{A1E2DB1C-1E5E-4174-A3AE-A333EC50C7F4}" type="datetimeFigureOut">
               <a:rPr lang="de-DE" smtClean="0"/>
-              <a:t>28.04.2021</a:t>
+              <a:t>18.05.2021</a:t>
             </a:fld>
             <a:endParaRPr lang="de-DE"/>
           </a:p>
@@ -863,7 +863,7 @@
           <a:p>
             <a:fld id="{A1E2DB1C-1E5E-4174-A3AE-A333EC50C7F4}" type="datetimeFigureOut">
               <a:rPr lang="de-DE" smtClean="0"/>
-              <a:t>28.04.2021</a:t>
+              <a:t>18.05.2021</a:t>
             </a:fld>
             <a:endParaRPr lang="de-DE"/>
           </a:p>
@@ -1138,7 +1138,7 @@
           <a:p>
             <a:fld id="{A1E2DB1C-1E5E-4174-A3AE-A333EC50C7F4}" type="datetimeFigureOut">
               <a:rPr lang="de-DE" smtClean="0"/>
-              <a:t>28.04.2021</a:t>
+              <a:t>18.05.2021</a:t>
             </a:fld>
             <a:endParaRPr lang="de-DE"/>
           </a:p>
@@ -1403,7 +1403,7 @@
           <a:p>
             <a:fld id="{A1E2DB1C-1E5E-4174-A3AE-A333EC50C7F4}" type="datetimeFigureOut">
               <a:rPr lang="de-DE" smtClean="0"/>
-              <a:t>28.04.2021</a:t>
+              <a:t>18.05.2021</a:t>
             </a:fld>
             <a:endParaRPr lang="de-DE"/>
           </a:p>
@@ -1815,7 +1815,7 @@
           <a:p>
             <a:fld id="{A1E2DB1C-1E5E-4174-A3AE-A333EC50C7F4}" type="datetimeFigureOut">
               <a:rPr lang="de-DE" smtClean="0"/>
-              <a:t>28.04.2021</a:t>
+              <a:t>18.05.2021</a:t>
             </a:fld>
             <a:endParaRPr lang="de-DE"/>
           </a:p>
@@ -1956,7 +1956,7 @@
           <a:p>
             <a:fld id="{A1E2DB1C-1E5E-4174-A3AE-A333EC50C7F4}" type="datetimeFigureOut">
               <a:rPr lang="de-DE" smtClean="0"/>
-              <a:t>28.04.2021</a:t>
+              <a:t>18.05.2021</a:t>
             </a:fld>
             <a:endParaRPr lang="de-DE"/>
           </a:p>
@@ -2069,7 +2069,7 @@
           <a:p>
             <a:fld id="{A1E2DB1C-1E5E-4174-A3AE-A333EC50C7F4}" type="datetimeFigureOut">
               <a:rPr lang="de-DE" smtClean="0"/>
-              <a:t>28.04.2021</a:t>
+              <a:t>18.05.2021</a:t>
             </a:fld>
             <a:endParaRPr lang="de-DE"/>
           </a:p>
@@ -2380,7 +2380,7 @@
           <a:p>
             <a:fld id="{A1E2DB1C-1E5E-4174-A3AE-A333EC50C7F4}" type="datetimeFigureOut">
               <a:rPr lang="de-DE" smtClean="0"/>
-              <a:t>28.04.2021</a:t>
+              <a:t>18.05.2021</a:t>
             </a:fld>
             <a:endParaRPr lang="de-DE"/>
           </a:p>
@@ -2668,7 +2668,7 @@
           <a:p>
             <a:fld id="{A1E2DB1C-1E5E-4174-A3AE-A333EC50C7F4}" type="datetimeFigureOut">
               <a:rPr lang="de-DE" smtClean="0"/>
-              <a:t>28.04.2021</a:t>
+              <a:t>18.05.2021</a:t>
             </a:fld>
             <a:endParaRPr lang="de-DE"/>
           </a:p>
@@ -2909,7 +2909,7 @@
           <a:p>
             <a:fld id="{A1E2DB1C-1E5E-4174-A3AE-A333EC50C7F4}" type="datetimeFigureOut">
               <a:rPr lang="de-DE" smtClean="0"/>
-              <a:t>28.04.2021</a:t>
+              <a:t>18.05.2021</a:t>
             </a:fld>
             <a:endParaRPr lang="de-DE"/>
           </a:p>
@@ -3380,17 +3380,6 @@
               <a:t>ULN2003</a:t>
             </a:r>
           </a:p>
-          <a:p>
-            <a:pPr algn="ctr"/>
-            <a:r>
-              <a:rPr lang="de-DE" sz="1200" dirty="0">
-                <a:solidFill>
-                  <a:schemeClr val="tx1"/>
-                </a:solidFill>
-              </a:rPr>
-              <a:t>(Treiber)</a:t>
-            </a:r>
-          </a:p>
         </p:txBody>
       </p:sp>
       <p:sp>
@@ -4640,89 +4629,6 @@
           </a:fontRef>
         </p:style>
       </p:cxnSp>
-      <p:sp>
-        <p:nvSpPr>
-          <p:cNvPr id="94" name="Rechteck 93">
-            <a:extLst>
-              <a:ext uri="{FF2B5EF4-FFF2-40B4-BE49-F238E27FC236}">
-                <a16:creationId xmlns:a16="http://schemas.microsoft.com/office/drawing/2014/main" id="{8A092C06-BEF0-4FD6-A794-78BB2036AACF}"/>
-              </a:ext>
-            </a:extLst>
-          </p:cNvPr>
-          <p:cNvSpPr/>
-          <p:nvPr/>
-        </p:nvSpPr>
-        <p:spPr>
-          <a:xfrm>
-            <a:off x="10001141" y="1263699"/>
-            <a:ext cx="912935" cy="2063692"/>
-          </a:xfrm>
-          <a:prstGeom prst="rect">
-            <a:avLst/>
-          </a:prstGeom>
-          <a:solidFill>
-            <a:schemeClr val="bg1"/>
-          </a:solidFill>
-        </p:spPr>
-        <p:style>
-          <a:lnRef idx="2">
-            <a:schemeClr val="accent1">
-              <a:shade val="50000"/>
-            </a:schemeClr>
-          </a:lnRef>
-          <a:fillRef idx="1">
-            <a:schemeClr val="accent1"/>
-          </a:fillRef>
-          <a:effectRef idx="0">
-            <a:schemeClr val="accent1"/>
-          </a:effectRef>
-          <a:fontRef idx="minor">
-            <a:schemeClr val="lt1"/>
-          </a:fontRef>
-        </p:style>
-        <p:txBody>
-          <a:bodyPr rtlCol="0" anchor="ctr"/>
-          <a:lstStyle/>
-          <a:p>
-            <a:pPr algn="ctr"/>
-            <a:r>
-              <a:rPr lang="de-DE" sz="1200" dirty="0">
-                <a:solidFill>
-                  <a:schemeClr val="tx1"/>
-                </a:solidFill>
-              </a:rPr>
-              <a:t>MPU6050</a:t>
-            </a:r>
-          </a:p>
-          <a:p>
-            <a:pPr algn="ctr"/>
-            <a:r>
-              <a:rPr lang="de-DE" sz="1200" dirty="0">
-                <a:solidFill>
-                  <a:schemeClr val="tx1"/>
-                </a:solidFill>
-              </a:rPr>
-              <a:t>ACC./</a:t>
-            </a:r>
-            <a:r>
-              <a:rPr lang="de-DE" sz="1200" dirty="0" err="1">
-                <a:solidFill>
-                  <a:schemeClr val="tx1"/>
-                </a:solidFill>
-              </a:rPr>
-              <a:t>Gyro</a:t>
-            </a:r>
-            <a:r>
-              <a:rPr lang="de-DE" sz="1200" dirty="0">
-                <a:solidFill>
-                  <a:schemeClr val="tx1"/>
-                </a:solidFill>
-              </a:rPr>
-              <a:t>.</a:t>
-            </a:r>
-          </a:p>
-        </p:txBody>
-      </p:sp>
       <p:cxnSp>
         <p:nvCxnSpPr>
           <p:cNvPr id="95" name="Gerader Verbinder 94">
@@ -4801,263 +4707,6 @@
       </p:cxnSp>
       <p:cxnSp>
         <p:nvCxnSpPr>
-          <p:cNvPr id="99" name="Gerader Verbinder 98">
-            <a:extLst>
-              <a:ext uri="{FF2B5EF4-FFF2-40B4-BE49-F238E27FC236}">
-                <a16:creationId xmlns:a16="http://schemas.microsoft.com/office/drawing/2014/main" id="{B7BAC450-FB26-461C-8A7E-A7DEAD9472AB}"/>
-              </a:ext>
-            </a:extLst>
-          </p:cNvPr>
-          <p:cNvCxnSpPr>
-            <a:cxnSpLocks/>
-          </p:cNvCxnSpPr>
-          <p:nvPr/>
-        </p:nvCxnSpPr>
-        <p:spPr>
-          <a:xfrm>
-            <a:off x="7955556" y="2590799"/>
-            <a:ext cx="2045583" cy="0"/>
-          </a:xfrm>
-          <a:prstGeom prst="line">
-            <a:avLst/>
-          </a:prstGeom>
-        </p:spPr>
-        <p:style>
-          <a:lnRef idx="1">
-            <a:schemeClr val="accent1"/>
-          </a:lnRef>
-          <a:fillRef idx="0">
-            <a:schemeClr val="accent1"/>
-          </a:fillRef>
-          <a:effectRef idx="0">
-            <a:schemeClr val="accent1"/>
-          </a:effectRef>
-          <a:fontRef idx="minor">
-            <a:schemeClr val="tx1"/>
-          </a:fontRef>
-        </p:style>
-      </p:cxnSp>
-      <p:cxnSp>
-        <p:nvCxnSpPr>
-          <p:cNvPr id="101" name="Gerader Verbinder 100">
-            <a:extLst>
-              <a:ext uri="{FF2B5EF4-FFF2-40B4-BE49-F238E27FC236}">
-                <a16:creationId xmlns:a16="http://schemas.microsoft.com/office/drawing/2014/main" id="{767A988F-3445-43D0-B5D8-32F04F713C6D}"/>
-              </a:ext>
-            </a:extLst>
-          </p:cNvPr>
-          <p:cNvCxnSpPr>
-            <a:cxnSpLocks/>
-          </p:cNvCxnSpPr>
-          <p:nvPr/>
-        </p:nvCxnSpPr>
-        <p:spPr>
-          <a:xfrm>
-            <a:off x="7955557" y="2780275"/>
-            <a:ext cx="2045583" cy="0"/>
-          </a:xfrm>
-          <a:prstGeom prst="line">
-            <a:avLst/>
-          </a:prstGeom>
-        </p:spPr>
-        <p:style>
-          <a:lnRef idx="1">
-            <a:schemeClr val="accent1"/>
-          </a:lnRef>
-          <a:fillRef idx="0">
-            <a:schemeClr val="accent1"/>
-          </a:fillRef>
-          <a:effectRef idx="0">
-            <a:schemeClr val="accent1"/>
-          </a:effectRef>
-          <a:fontRef idx="minor">
-            <a:schemeClr val="tx1"/>
-          </a:fontRef>
-        </p:style>
-      </p:cxnSp>
-      <p:sp>
-        <p:nvSpPr>
-          <p:cNvPr id="103" name="Textfeld 102">
-            <a:extLst>
-              <a:ext uri="{FF2B5EF4-FFF2-40B4-BE49-F238E27FC236}">
-                <a16:creationId xmlns:a16="http://schemas.microsoft.com/office/drawing/2014/main" id="{3FC3D275-7E19-4264-A926-BDED9FD3DD65}"/>
-              </a:ext>
-            </a:extLst>
-          </p:cNvPr>
-          <p:cNvSpPr txBox="1"/>
-          <p:nvPr/>
-        </p:nvSpPr>
-        <p:spPr>
-          <a:xfrm>
-            <a:off x="8793914" y="2548688"/>
-            <a:ext cx="356188" cy="276999"/>
-          </a:xfrm>
-          <a:prstGeom prst="rect">
-            <a:avLst/>
-          </a:prstGeom>
-          <a:noFill/>
-        </p:spPr>
-        <p:txBody>
-          <a:bodyPr wrap="none" rtlCol="0">
-            <a:spAutoFit/>
-          </a:bodyPr>
-          <a:lstStyle/>
-          <a:p>
-            <a:r>
-              <a:rPr lang="de-DE" sz="1200" dirty="0"/>
-              <a:t>I²C</a:t>
-            </a:r>
-          </a:p>
-        </p:txBody>
-      </p:sp>
-      <p:cxnSp>
-        <p:nvCxnSpPr>
-          <p:cNvPr id="104" name="Gerader Verbinder 103">
-            <a:extLst>
-              <a:ext uri="{FF2B5EF4-FFF2-40B4-BE49-F238E27FC236}">
-                <a16:creationId xmlns:a16="http://schemas.microsoft.com/office/drawing/2014/main" id="{ECB40259-04B0-4865-9570-652945ECBD44}"/>
-              </a:ext>
-            </a:extLst>
-          </p:cNvPr>
-          <p:cNvCxnSpPr>
-            <a:cxnSpLocks/>
-          </p:cNvCxnSpPr>
-          <p:nvPr/>
-        </p:nvCxnSpPr>
-        <p:spPr>
-          <a:xfrm>
-            <a:off x="7955558" y="1668377"/>
-            <a:ext cx="2045583" cy="0"/>
-          </a:xfrm>
-          <a:prstGeom prst="line">
-            <a:avLst/>
-          </a:prstGeom>
-        </p:spPr>
-        <p:style>
-          <a:lnRef idx="1">
-            <a:schemeClr val="accent1"/>
-          </a:lnRef>
-          <a:fillRef idx="0">
-            <a:schemeClr val="accent1"/>
-          </a:fillRef>
-          <a:effectRef idx="0">
-            <a:schemeClr val="accent1"/>
-          </a:effectRef>
-          <a:fontRef idx="minor">
-            <a:schemeClr val="tx1"/>
-          </a:fontRef>
-        </p:style>
-      </p:cxnSp>
-      <p:cxnSp>
-        <p:nvCxnSpPr>
-          <p:cNvPr id="105" name="Gerader Verbinder 104">
-            <a:extLst>
-              <a:ext uri="{FF2B5EF4-FFF2-40B4-BE49-F238E27FC236}">
-                <a16:creationId xmlns:a16="http://schemas.microsoft.com/office/drawing/2014/main" id="{86B8C4CA-FEE1-4169-A246-CDF51391A540}"/>
-              </a:ext>
-            </a:extLst>
-          </p:cNvPr>
-          <p:cNvCxnSpPr>
-            <a:cxnSpLocks/>
-          </p:cNvCxnSpPr>
-          <p:nvPr/>
-        </p:nvCxnSpPr>
-        <p:spPr>
-          <a:xfrm>
-            <a:off x="7955555" y="2057404"/>
-            <a:ext cx="2045583" cy="0"/>
-          </a:xfrm>
-          <a:prstGeom prst="line">
-            <a:avLst/>
-          </a:prstGeom>
-        </p:spPr>
-        <p:style>
-          <a:lnRef idx="1">
-            <a:schemeClr val="accent1"/>
-          </a:lnRef>
-          <a:fillRef idx="0">
-            <a:schemeClr val="accent1"/>
-          </a:fillRef>
-          <a:effectRef idx="0">
-            <a:schemeClr val="accent1"/>
-          </a:effectRef>
-          <a:fontRef idx="minor">
-            <a:schemeClr val="tx1"/>
-          </a:fontRef>
-        </p:style>
-      </p:cxnSp>
-      <p:sp>
-        <p:nvSpPr>
-          <p:cNvPr id="106" name="Textfeld 105">
-            <a:extLst>
-              <a:ext uri="{FF2B5EF4-FFF2-40B4-BE49-F238E27FC236}">
-                <a16:creationId xmlns:a16="http://schemas.microsoft.com/office/drawing/2014/main" id="{B5A90331-B06A-4C83-8178-2908CD5F9A5A}"/>
-              </a:ext>
-            </a:extLst>
-          </p:cNvPr>
-          <p:cNvSpPr txBox="1"/>
-          <p:nvPr/>
-        </p:nvSpPr>
-        <p:spPr>
-          <a:xfrm>
-            <a:off x="8741676" y="1822255"/>
-            <a:ext cx="476412" cy="276999"/>
-          </a:xfrm>
-          <a:prstGeom prst="rect">
-            <a:avLst/>
-          </a:prstGeom>
-          <a:noFill/>
-        </p:spPr>
-        <p:txBody>
-          <a:bodyPr wrap="none" rtlCol="0">
-            <a:spAutoFit/>
-          </a:bodyPr>
-          <a:lstStyle/>
-          <a:p>
-            <a:r>
-              <a:rPr lang="de-DE" sz="1200" dirty="0"/>
-              <a:t>GND</a:t>
-            </a:r>
-          </a:p>
-        </p:txBody>
-      </p:sp>
-      <p:sp>
-        <p:nvSpPr>
-          <p:cNvPr id="107" name="Textfeld 106">
-            <a:extLst>
-              <a:ext uri="{FF2B5EF4-FFF2-40B4-BE49-F238E27FC236}">
-                <a16:creationId xmlns:a16="http://schemas.microsoft.com/office/drawing/2014/main" id="{4EE924C9-AD60-4462-A758-C500D0E0E911}"/>
-              </a:ext>
-            </a:extLst>
-          </p:cNvPr>
-          <p:cNvSpPr txBox="1"/>
-          <p:nvPr/>
-        </p:nvSpPr>
-        <p:spPr>
-          <a:xfrm>
-            <a:off x="8738611" y="1409880"/>
-            <a:ext cx="466794" cy="276999"/>
-          </a:xfrm>
-          <a:prstGeom prst="rect">
-            <a:avLst/>
-          </a:prstGeom>
-          <a:noFill/>
-        </p:spPr>
-        <p:txBody>
-          <a:bodyPr wrap="none" rtlCol="0">
-            <a:spAutoFit/>
-          </a:bodyPr>
-          <a:lstStyle/>
-          <a:p>
-            <a:r>
-              <a:rPr lang="de-DE" sz="1200" dirty="0"/>
-              <a:t>3,3V</a:t>
-            </a:r>
-          </a:p>
-        </p:txBody>
-      </p:sp>
-      <p:cxnSp>
-        <p:nvCxnSpPr>
           <p:cNvPr id="114" name="Gerader Verbinder 113">
             <a:extLst>
               <a:ext uri="{FF2B5EF4-FFF2-40B4-BE49-F238E27FC236}">
@@ -5216,10 +4865,10 @@
       </p:sp>
       <p:sp>
         <p:nvSpPr>
-          <p:cNvPr id="128" name="Ellipse 127">
-            <a:extLst>
-              <a:ext uri="{FF2B5EF4-FFF2-40B4-BE49-F238E27FC236}">
-                <a16:creationId xmlns:a16="http://schemas.microsoft.com/office/drawing/2014/main" id="{F497F1E7-8791-4E87-8802-477EE4D54534}"/>
+          <p:cNvPr id="129" name="Ellipse 128">
+            <a:extLst>
+              <a:ext uri="{FF2B5EF4-FFF2-40B4-BE49-F238E27FC236}">
+                <a16:creationId xmlns:a16="http://schemas.microsoft.com/office/drawing/2014/main" id="{8E79E59A-E053-411C-B13A-307C3FFF18A7}"/>
               </a:ext>
             </a:extLst>
           </p:cNvPr>
@@ -5228,7 +4877,7 @@
         </p:nvSpPr>
         <p:spPr>
           <a:xfrm>
-            <a:off x="714446" y="404320"/>
+            <a:off x="731223" y="6230445"/>
             <a:ext cx="81125" cy="68436"/>
           </a:xfrm>
           <a:prstGeom prst="ellipse">
@@ -5262,10 +4911,81 @@
       </p:sp>
       <p:sp>
         <p:nvSpPr>
-          <p:cNvPr id="129" name="Ellipse 128">
-            <a:extLst>
-              <a:ext uri="{FF2B5EF4-FFF2-40B4-BE49-F238E27FC236}">
-                <a16:creationId xmlns:a16="http://schemas.microsoft.com/office/drawing/2014/main" id="{8E79E59A-E053-411C-B13A-307C3FFF18A7}"/>
+          <p:cNvPr id="130" name="Textfeld 129">
+            <a:extLst>
+              <a:ext uri="{FF2B5EF4-FFF2-40B4-BE49-F238E27FC236}">
+                <a16:creationId xmlns:a16="http://schemas.microsoft.com/office/drawing/2014/main" id="{648B039B-3071-4EF7-8A00-0CE03237B6D2}"/>
+              </a:ext>
+            </a:extLst>
+          </p:cNvPr>
+          <p:cNvSpPr txBox="1"/>
+          <p:nvPr/>
+        </p:nvSpPr>
+        <p:spPr>
+          <a:xfrm>
+            <a:off x="5493128" y="2715615"/>
+            <a:ext cx="349776" cy="276999"/>
+          </a:xfrm>
+          <a:prstGeom prst="rect">
+            <a:avLst/>
+          </a:prstGeom>
+          <a:noFill/>
+        </p:spPr>
+        <p:txBody>
+          <a:bodyPr wrap="none" rtlCol="0">
+            <a:spAutoFit/>
+          </a:bodyPr>
+          <a:lstStyle/>
+          <a:p>
+            <a:r>
+              <a:rPr lang="de-DE" sz="1200" dirty="0"/>
+              <a:t>5V</a:t>
+            </a:r>
+          </a:p>
+        </p:txBody>
+      </p:sp>
+      <p:sp>
+        <p:nvSpPr>
+          <p:cNvPr id="131" name="Textfeld 130">
+            <a:extLst>
+              <a:ext uri="{FF2B5EF4-FFF2-40B4-BE49-F238E27FC236}">
+                <a16:creationId xmlns:a16="http://schemas.microsoft.com/office/drawing/2014/main" id="{1A248588-DDE3-47F8-970B-5288FDDC320B}"/>
+              </a:ext>
+            </a:extLst>
+          </p:cNvPr>
+          <p:cNvSpPr txBox="1"/>
+          <p:nvPr/>
+        </p:nvSpPr>
+        <p:spPr>
+          <a:xfrm>
+            <a:off x="7060739" y="1556076"/>
+            <a:ext cx="648743" cy="276999"/>
+          </a:xfrm>
+          <a:prstGeom prst="rect">
+            <a:avLst/>
+          </a:prstGeom>
+          <a:noFill/>
+        </p:spPr>
+        <p:txBody>
+          <a:bodyPr wrap="square" rtlCol="0">
+            <a:spAutoFit/>
+          </a:bodyPr>
+          <a:lstStyle/>
+          <a:p>
+            <a:r>
+              <a:rPr lang="de-DE" sz="1200" dirty="0" err="1"/>
+              <a:t>Vcc</a:t>
+            </a:r>
+            <a:endParaRPr lang="de-DE" sz="1200" dirty="0"/>
+          </a:p>
+        </p:txBody>
+      </p:sp>
+      <p:sp>
+        <p:nvSpPr>
+          <p:cNvPr id="132" name="Pfeil: nach rechts 131">
+            <a:extLst>
+              <a:ext uri="{FF2B5EF4-FFF2-40B4-BE49-F238E27FC236}">
+                <a16:creationId xmlns:a16="http://schemas.microsoft.com/office/drawing/2014/main" id="{D0453D3D-C6D5-4D70-87BA-03B4CC6D9711}"/>
               </a:ext>
             </a:extLst>
           </p:cNvPr>
@@ -5274,10 +4994,10 @@
         </p:nvSpPr>
         <p:spPr>
           <a:xfrm>
-            <a:off x="731223" y="6230445"/>
-            <a:ext cx="81125" cy="68436"/>
-          </a:xfrm>
-          <a:prstGeom prst="ellipse">
+            <a:off x="2929401" y="5331801"/>
+            <a:ext cx="270757" cy="213301"/>
+          </a:xfrm>
+          <a:prstGeom prst="rightArrow">
             <a:avLst/>
           </a:prstGeom>
         </p:spPr>
@@ -5308,10 +5028,10 @@
       </p:sp>
       <p:sp>
         <p:nvSpPr>
-          <p:cNvPr id="130" name="Textfeld 129">
-            <a:extLst>
-              <a:ext uri="{FF2B5EF4-FFF2-40B4-BE49-F238E27FC236}">
-                <a16:creationId xmlns:a16="http://schemas.microsoft.com/office/drawing/2014/main" id="{648B039B-3071-4EF7-8A00-0CE03237B6D2}"/>
+          <p:cNvPr id="133" name="Textfeld 132">
+            <a:extLst>
+              <a:ext uri="{FF2B5EF4-FFF2-40B4-BE49-F238E27FC236}">
+                <a16:creationId xmlns:a16="http://schemas.microsoft.com/office/drawing/2014/main" id="{87488133-5C47-42FC-8CB1-81281FB93B93}"/>
               </a:ext>
             </a:extLst>
           </p:cNvPr>
@@ -5320,8 +5040,8 @@
         </p:nvSpPr>
         <p:spPr>
           <a:xfrm>
-            <a:off x="5493128" y="2715615"/>
-            <a:ext cx="349776" cy="276999"/>
+            <a:off x="3170584" y="5299951"/>
+            <a:ext cx="1043427" cy="276999"/>
           </a:xfrm>
           <a:prstGeom prst="rect">
             <a:avLst/>
@@ -5336,53 +5056,17 @@
           <a:p>
             <a:r>
               <a:rPr lang="de-DE" sz="1200" dirty="0"/>
-              <a:t>5V</a:t>
-            </a:r>
-          </a:p>
-        </p:txBody>
-      </p:sp>
-      <p:sp>
-        <p:nvSpPr>
-          <p:cNvPr id="131" name="Textfeld 130">
-            <a:extLst>
-              <a:ext uri="{FF2B5EF4-FFF2-40B4-BE49-F238E27FC236}">
-                <a16:creationId xmlns:a16="http://schemas.microsoft.com/office/drawing/2014/main" id="{1A248588-DDE3-47F8-970B-5288FDDC320B}"/>
-              </a:ext>
-            </a:extLst>
-          </p:cNvPr>
-          <p:cNvSpPr txBox="1"/>
-          <p:nvPr/>
-        </p:nvSpPr>
-        <p:spPr>
-          <a:xfrm>
-            <a:off x="7060739" y="1556076"/>
-            <a:ext cx="648743" cy="276999"/>
-          </a:xfrm>
-          <a:prstGeom prst="rect">
-            <a:avLst/>
-          </a:prstGeom>
-          <a:noFill/>
-        </p:spPr>
-        <p:txBody>
-          <a:bodyPr wrap="square" rtlCol="0">
-            <a:spAutoFit/>
-          </a:bodyPr>
-          <a:lstStyle/>
-          <a:p>
-            <a:r>
-              <a:rPr lang="de-DE" sz="1200" dirty="0" err="1"/>
-              <a:t>Vcc</a:t>
-            </a:r>
-            <a:endParaRPr lang="de-DE" sz="1200" dirty="0"/>
-          </a:p>
-        </p:txBody>
-      </p:sp>
-      <p:sp>
-        <p:nvSpPr>
-          <p:cNvPr id="132" name="Pfeil: nach rechts 131">
-            <a:extLst>
-              <a:ext uri="{FF2B5EF4-FFF2-40B4-BE49-F238E27FC236}">
-                <a16:creationId xmlns:a16="http://schemas.microsoft.com/office/drawing/2014/main" id="{D0453D3D-C6D5-4D70-87BA-03B4CC6D9711}"/>
+              <a:t>Zum Aktuator</a:t>
+            </a:r>
+          </a:p>
+        </p:txBody>
+      </p:sp>
+      <p:sp>
+        <p:nvSpPr>
+          <p:cNvPr id="135" name="Pfeil: nach oben 134">
+            <a:extLst>
+              <a:ext uri="{FF2B5EF4-FFF2-40B4-BE49-F238E27FC236}">
+                <a16:creationId xmlns:a16="http://schemas.microsoft.com/office/drawing/2014/main" id="{E767F33C-00B2-4520-A4A2-4FF5746BA207}"/>
               </a:ext>
             </a:extLst>
           </p:cNvPr>
@@ -5391,10 +5075,10 @@
         </p:nvSpPr>
         <p:spPr>
           <a:xfrm>
-            <a:off x="2929401" y="5331801"/>
-            <a:ext cx="270757" cy="213301"/>
-          </a:xfrm>
-          <a:prstGeom prst="rightArrow">
+            <a:off x="2614745" y="5822362"/>
+            <a:ext cx="192274" cy="312250"/>
+          </a:xfrm>
+          <a:prstGeom prst="upArrow">
             <a:avLst/>
           </a:prstGeom>
         </p:spPr>
@@ -5425,10 +5109,10 @@
       </p:sp>
       <p:sp>
         <p:nvSpPr>
-          <p:cNvPr id="133" name="Textfeld 132">
-            <a:extLst>
-              <a:ext uri="{FF2B5EF4-FFF2-40B4-BE49-F238E27FC236}">
-                <a16:creationId xmlns:a16="http://schemas.microsoft.com/office/drawing/2014/main" id="{87488133-5C47-42FC-8CB1-81281FB93B93}"/>
+          <p:cNvPr id="136" name="Textfeld 135">
+            <a:extLst>
+              <a:ext uri="{FF2B5EF4-FFF2-40B4-BE49-F238E27FC236}">
+                <a16:creationId xmlns:a16="http://schemas.microsoft.com/office/drawing/2014/main" id="{4A8DAE03-9B51-4084-85F5-42E41D28EB8D}"/>
               </a:ext>
             </a:extLst>
           </p:cNvPr>
@@ -5437,8 +5121,8 @@
         </p:nvSpPr>
         <p:spPr>
           <a:xfrm>
-            <a:off x="3170584" y="5299951"/>
-            <a:ext cx="1043427" cy="276999"/>
+            <a:off x="2744598" y="5873523"/>
+            <a:ext cx="761747" cy="276999"/>
           </a:xfrm>
           <a:prstGeom prst="rect">
             <a:avLst/>
@@ -5453,17 +5137,198 @@
           <a:p>
             <a:r>
               <a:rPr lang="de-DE" sz="1200" dirty="0"/>
-              <a:t>Zum Aktuator</a:t>
-            </a:r>
-          </a:p>
-        </p:txBody>
-      </p:sp>
-      <p:sp>
-        <p:nvSpPr>
-          <p:cNvPr id="135" name="Pfeil: nach oben 134">
-            <a:extLst>
-              <a:ext uri="{FF2B5EF4-FFF2-40B4-BE49-F238E27FC236}">
-                <a16:creationId xmlns:a16="http://schemas.microsoft.com/office/drawing/2014/main" id="{E767F33C-00B2-4520-A4A2-4FF5746BA207}"/>
+              <a:t>Druckluft</a:t>
+            </a:r>
+          </a:p>
+        </p:txBody>
+      </p:sp>
+      <p:sp>
+        <p:nvSpPr>
+          <p:cNvPr id="137" name="Textfeld 136">
+            <a:extLst>
+              <a:ext uri="{FF2B5EF4-FFF2-40B4-BE49-F238E27FC236}">
+                <a16:creationId xmlns:a16="http://schemas.microsoft.com/office/drawing/2014/main" id="{18D08E23-7EBE-4508-87DA-42134B08115E}"/>
+              </a:ext>
+            </a:extLst>
+          </p:cNvPr>
+          <p:cNvSpPr txBox="1"/>
+          <p:nvPr/>
+        </p:nvSpPr>
+        <p:spPr>
+          <a:xfrm>
+            <a:off x="1804695" y="5193301"/>
+            <a:ext cx="734496" cy="276999"/>
+          </a:xfrm>
+          <a:prstGeom prst="rect">
+            <a:avLst/>
+          </a:prstGeom>
+          <a:noFill/>
+        </p:spPr>
+        <p:txBody>
+          <a:bodyPr wrap="none" rtlCol="0">
+            <a:spAutoFit/>
+          </a:bodyPr>
+          <a:lstStyle/>
+          <a:p>
+            <a:r>
+              <a:rPr lang="de-DE" sz="1200" dirty="0"/>
+              <a:t>Gesperrt</a:t>
+            </a:r>
+          </a:p>
+        </p:txBody>
+      </p:sp>
+      <p:cxnSp>
+        <p:nvCxnSpPr>
+          <p:cNvPr id="60" name="Gerader Verbinder 59">
+            <a:extLst>
+              <a:ext uri="{FF2B5EF4-FFF2-40B4-BE49-F238E27FC236}">
+                <a16:creationId xmlns:a16="http://schemas.microsoft.com/office/drawing/2014/main" id="{994EB482-8D8C-4976-8AB5-22EDCB11BFB5}"/>
+              </a:ext>
+            </a:extLst>
+          </p:cNvPr>
+          <p:cNvCxnSpPr>
+            <a:cxnSpLocks/>
+          </p:cNvCxnSpPr>
+          <p:nvPr/>
+        </p:nvCxnSpPr>
+        <p:spPr>
+          <a:xfrm>
+            <a:off x="3340427" y="428363"/>
+            <a:ext cx="44974" cy="4172231"/>
+          </a:xfrm>
+          <a:prstGeom prst="line">
+            <a:avLst/>
+          </a:prstGeom>
+        </p:spPr>
+        <p:style>
+          <a:lnRef idx="1">
+            <a:schemeClr val="accent1"/>
+          </a:lnRef>
+          <a:fillRef idx="0">
+            <a:schemeClr val="accent1"/>
+          </a:fillRef>
+          <a:effectRef idx="0">
+            <a:schemeClr val="accent1"/>
+          </a:effectRef>
+          <a:fontRef idx="minor">
+            <a:schemeClr val="tx1"/>
+          </a:fontRef>
+        </p:style>
+      </p:cxnSp>
+      <p:sp>
+        <p:nvSpPr>
+          <p:cNvPr id="64" name="Textfeld 63">
+            <a:extLst>
+              <a:ext uri="{FF2B5EF4-FFF2-40B4-BE49-F238E27FC236}">
+                <a16:creationId xmlns:a16="http://schemas.microsoft.com/office/drawing/2014/main" id="{C58FAB29-5840-49ED-BE1F-5638F65B184B}"/>
+              </a:ext>
+            </a:extLst>
+          </p:cNvPr>
+          <p:cNvSpPr txBox="1"/>
+          <p:nvPr/>
+        </p:nvSpPr>
+        <p:spPr>
+          <a:xfrm>
+            <a:off x="3332773" y="4341407"/>
+            <a:ext cx="428322" cy="276999"/>
+          </a:xfrm>
+          <a:prstGeom prst="rect">
+            <a:avLst/>
+          </a:prstGeom>
+          <a:noFill/>
+        </p:spPr>
+        <p:txBody>
+          <a:bodyPr wrap="none" rtlCol="0">
+            <a:spAutoFit/>
+          </a:bodyPr>
+          <a:lstStyle/>
+          <a:p>
+            <a:r>
+              <a:rPr lang="de-DE" sz="1200" dirty="0"/>
+              <a:t>12V</a:t>
+            </a:r>
+          </a:p>
+        </p:txBody>
+      </p:sp>
+      <p:sp>
+        <p:nvSpPr>
+          <p:cNvPr id="65" name="Textfeld 64">
+            <a:extLst>
+              <a:ext uri="{FF2B5EF4-FFF2-40B4-BE49-F238E27FC236}">
+                <a16:creationId xmlns:a16="http://schemas.microsoft.com/office/drawing/2014/main" id="{4F91A4FB-E593-4CC2-9483-C060C4316ECD}"/>
+              </a:ext>
+            </a:extLst>
+          </p:cNvPr>
+          <p:cNvSpPr txBox="1"/>
+          <p:nvPr/>
+        </p:nvSpPr>
+        <p:spPr>
+          <a:xfrm>
+            <a:off x="6256891" y="3170527"/>
+            <a:ext cx="949299" cy="461665"/>
+          </a:xfrm>
+          <a:prstGeom prst="rect">
+            <a:avLst/>
+          </a:prstGeom>
+          <a:noFill/>
+        </p:spPr>
+        <p:txBody>
+          <a:bodyPr wrap="none" rtlCol="0">
+            <a:spAutoFit/>
+          </a:bodyPr>
+          <a:lstStyle/>
+          <a:p>
+            <a:r>
+              <a:rPr lang="de-DE" sz="1200" dirty="0"/>
+              <a:t>Zu ULN2003</a:t>
+            </a:r>
+          </a:p>
+          <a:p>
+            <a:endParaRPr lang="de-DE" sz="1200" dirty="0"/>
+          </a:p>
+        </p:txBody>
+      </p:sp>
+      <p:sp>
+        <p:nvSpPr>
+          <p:cNvPr id="66" name="Textfeld 65">
+            <a:extLst>
+              <a:ext uri="{FF2B5EF4-FFF2-40B4-BE49-F238E27FC236}">
+                <a16:creationId xmlns:a16="http://schemas.microsoft.com/office/drawing/2014/main" id="{F411A114-EBF9-4E3E-87E3-CE418C87BE41}"/>
+              </a:ext>
+            </a:extLst>
+          </p:cNvPr>
+          <p:cNvSpPr txBox="1"/>
+          <p:nvPr/>
+        </p:nvSpPr>
+        <p:spPr>
+          <a:xfrm>
+            <a:off x="410019" y="1766678"/>
+            <a:ext cx="723531" cy="276999"/>
+          </a:xfrm>
+          <a:prstGeom prst="rect">
+            <a:avLst/>
+          </a:prstGeom>
+          <a:noFill/>
+        </p:spPr>
+        <p:txBody>
+          <a:bodyPr wrap="none" rtlCol="0">
+            <a:spAutoFit/>
+          </a:bodyPr>
+          <a:lstStyle/>
+          <a:p>
+            <a:r>
+              <a:rPr lang="de-DE" sz="1200" dirty="0"/>
+              <a:t>Von Pico</a:t>
+            </a:r>
+          </a:p>
+        </p:txBody>
+      </p:sp>
+      <p:sp>
+        <p:nvSpPr>
+          <p:cNvPr id="58" name="Rechteck 57">
+            <a:extLst>
+              <a:ext uri="{FF2B5EF4-FFF2-40B4-BE49-F238E27FC236}">
+                <a16:creationId xmlns:a16="http://schemas.microsoft.com/office/drawing/2014/main" id="{4207C2CD-BF90-4407-B24F-8627934146C8}"/>
               </a:ext>
             </a:extLst>
           </p:cNvPr>
@@ -5472,12 +5337,15 @@
         </p:nvSpPr>
         <p:spPr>
           <a:xfrm>
-            <a:off x="2614745" y="5822362"/>
-            <a:ext cx="192274" cy="312250"/>
-          </a:xfrm>
-          <a:prstGeom prst="upArrow">
-            <a:avLst/>
-          </a:prstGeom>
+            <a:off x="9447402" y="1289424"/>
+            <a:ext cx="789963" cy="896223"/>
+          </a:xfrm>
+          <a:prstGeom prst="rect">
+            <a:avLst/>
+          </a:prstGeom>
+          <a:solidFill>
+            <a:schemeClr val="bg1"/>
+          </a:solidFill>
         </p:spPr>
         <p:style>
           <a:lnRef idx="2">
@@ -5500,16 +5368,129 @@
           <a:lstStyle/>
           <a:p>
             <a:pPr algn="ctr"/>
-            <a:endParaRPr lang="de-DE"/>
-          </a:p>
-        </p:txBody>
-      </p:sp>
-      <p:sp>
-        <p:nvSpPr>
-          <p:cNvPr id="136" name="Textfeld 135">
-            <a:extLst>
-              <a:ext uri="{FF2B5EF4-FFF2-40B4-BE49-F238E27FC236}">
-                <a16:creationId xmlns:a16="http://schemas.microsoft.com/office/drawing/2014/main" id="{4A8DAE03-9B51-4084-85F5-42E41D28EB8D}"/>
+            <a:r>
+              <a:rPr lang="de-DE" sz="1200" dirty="0">
+                <a:solidFill>
+                  <a:schemeClr val="tx1"/>
+                </a:solidFill>
+              </a:rPr>
+              <a:t>FSR400</a:t>
+            </a:r>
+          </a:p>
+        </p:txBody>
+      </p:sp>
+      <p:sp>
+        <p:nvSpPr>
+          <p:cNvPr id="61" name="Rechteck 60">
+            <a:extLst>
+              <a:ext uri="{FF2B5EF4-FFF2-40B4-BE49-F238E27FC236}">
+                <a16:creationId xmlns:a16="http://schemas.microsoft.com/office/drawing/2014/main" id="{894E70F8-10B8-4C05-ACB2-4AAFE058ADE0}"/>
+              </a:ext>
+            </a:extLst>
+          </p:cNvPr>
+          <p:cNvSpPr/>
+          <p:nvPr/>
+        </p:nvSpPr>
+        <p:spPr>
+          <a:xfrm>
+            <a:off x="9574180" y="2189166"/>
+            <a:ext cx="95074" cy="378953"/>
+          </a:xfrm>
+          <a:prstGeom prst="rect">
+            <a:avLst/>
+          </a:prstGeom>
+          <a:solidFill>
+            <a:schemeClr val="bg1"/>
+          </a:solidFill>
+        </p:spPr>
+        <p:style>
+          <a:lnRef idx="2">
+            <a:schemeClr val="accent1">
+              <a:shade val="50000"/>
+            </a:schemeClr>
+          </a:lnRef>
+          <a:fillRef idx="1">
+            <a:schemeClr val="accent1"/>
+          </a:fillRef>
+          <a:effectRef idx="0">
+            <a:schemeClr val="accent1"/>
+          </a:effectRef>
+          <a:fontRef idx="minor">
+            <a:schemeClr val="lt1"/>
+          </a:fontRef>
+        </p:style>
+        <p:txBody>
+          <a:bodyPr rtlCol="0" anchor="ctr"/>
+          <a:lstStyle/>
+          <a:p>
+            <a:pPr algn="ctr"/>
+            <a:endParaRPr lang="de-DE" sz="1200" dirty="0">
+              <a:solidFill>
+                <a:schemeClr val="tx1"/>
+              </a:solidFill>
+            </a:endParaRPr>
+          </a:p>
+        </p:txBody>
+      </p:sp>
+      <p:sp>
+        <p:nvSpPr>
+          <p:cNvPr id="71" name="Rechteck 70">
+            <a:extLst>
+              <a:ext uri="{FF2B5EF4-FFF2-40B4-BE49-F238E27FC236}">
+                <a16:creationId xmlns:a16="http://schemas.microsoft.com/office/drawing/2014/main" id="{FA4E25CE-2918-4A40-AFFA-295D00E75F07}"/>
+              </a:ext>
+            </a:extLst>
+          </p:cNvPr>
+          <p:cNvSpPr/>
+          <p:nvPr/>
+        </p:nvSpPr>
+        <p:spPr>
+          <a:xfrm>
+            <a:off x="10016698" y="2185647"/>
+            <a:ext cx="95074" cy="672963"/>
+          </a:xfrm>
+          <a:prstGeom prst="rect">
+            <a:avLst/>
+          </a:prstGeom>
+          <a:solidFill>
+            <a:schemeClr val="bg1"/>
+          </a:solidFill>
+        </p:spPr>
+        <p:style>
+          <a:lnRef idx="2">
+            <a:schemeClr val="accent1">
+              <a:shade val="50000"/>
+            </a:schemeClr>
+          </a:lnRef>
+          <a:fillRef idx="1">
+            <a:schemeClr val="accent1"/>
+          </a:fillRef>
+          <a:effectRef idx="0">
+            <a:schemeClr val="accent1"/>
+          </a:effectRef>
+          <a:fontRef idx="minor">
+            <a:schemeClr val="lt1"/>
+          </a:fontRef>
+        </p:style>
+        <p:txBody>
+          <a:bodyPr rtlCol="0" anchor="ctr"/>
+          <a:lstStyle/>
+          <a:p>
+            <a:pPr algn="ctr"/>
+            <a:endParaRPr lang="de-DE" sz="1200" dirty="0">
+              <a:solidFill>
+                <a:schemeClr val="tx1"/>
+              </a:solidFill>
+            </a:endParaRPr>
+          </a:p>
+        </p:txBody>
+      </p:sp>
+      <p:sp>
+        <p:nvSpPr>
+          <p:cNvPr id="77" name="Textfeld 76">
+            <a:extLst>
+              <a:ext uri="{FF2B5EF4-FFF2-40B4-BE49-F238E27FC236}">
+                <a16:creationId xmlns:a16="http://schemas.microsoft.com/office/drawing/2014/main" id="{5E6FF55D-1766-4135-89D4-2C739D4749A4}"/>
               </a:ext>
             </a:extLst>
           </p:cNvPr>
@@ -5518,8 +5499,8 @@
         </p:nvSpPr>
         <p:spPr>
           <a:xfrm>
-            <a:off x="2744598" y="5873523"/>
-            <a:ext cx="761747" cy="276999"/>
+            <a:off x="7562159" y="1556075"/>
+            <a:ext cx="466794" cy="276999"/>
           </a:xfrm>
           <a:prstGeom prst="rect">
             <a:avLst/>
@@ -5534,17 +5515,17 @@
           <a:p>
             <a:r>
               <a:rPr lang="de-DE" sz="1200" dirty="0"/>
-              <a:t>Druckluft</a:t>
-            </a:r>
-          </a:p>
-        </p:txBody>
-      </p:sp>
-      <p:sp>
-        <p:nvSpPr>
-          <p:cNvPr id="137" name="Textfeld 136">
-            <a:extLst>
-              <a:ext uri="{FF2B5EF4-FFF2-40B4-BE49-F238E27FC236}">
-                <a16:creationId xmlns:a16="http://schemas.microsoft.com/office/drawing/2014/main" id="{18D08E23-7EBE-4508-87DA-42134B08115E}"/>
+              <a:t>3,3V</a:t>
+            </a:r>
+          </a:p>
+        </p:txBody>
+      </p:sp>
+      <p:sp>
+        <p:nvSpPr>
+          <p:cNvPr id="78" name="Textfeld 77">
+            <a:extLst>
+              <a:ext uri="{FF2B5EF4-FFF2-40B4-BE49-F238E27FC236}">
+                <a16:creationId xmlns:a16="http://schemas.microsoft.com/office/drawing/2014/main" id="{06A2DA0F-AB76-4907-B0F1-15708D9F86C6}"/>
               </a:ext>
             </a:extLst>
           </p:cNvPr>
@@ -5553,8 +5534,8 @@
         </p:nvSpPr>
         <p:spPr>
           <a:xfrm>
-            <a:off x="1804695" y="5193301"/>
-            <a:ext cx="734496" cy="276999"/>
+            <a:off x="7508680" y="3041659"/>
+            <a:ext cx="476412" cy="276999"/>
           </a:xfrm>
           <a:prstGeom prst="rect">
             <a:avLst/>
@@ -5569,17 +5550,17 @@
           <a:p>
             <a:r>
               <a:rPr lang="de-DE" sz="1200" dirty="0"/>
-              <a:t>Gesperrt</a:t>
+              <a:t>GND</a:t>
             </a:r>
           </a:p>
         </p:txBody>
       </p:sp>
       <p:cxnSp>
         <p:nvCxnSpPr>
-          <p:cNvPr id="60" name="Gerader Verbinder 59">
-            <a:extLst>
-              <a:ext uri="{FF2B5EF4-FFF2-40B4-BE49-F238E27FC236}">
-                <a16:creationId xmlns:a16="http://schemas.microsoft.com/office/drawing/2014/main" id="{994EB482-8D8C-4976-8AB5-22EDCB11BFB5}"/>
+          <p:cNvPr id="79" name="Gerader Verbinder 78">
+            <a:extLst>
+              <a:ext uri="{FF2B5EF4-FFF2-40B4-BE49-F238E27FC236}">
+                <a16:creationId xmlns:a16="http://schemas.microsoft.com/office/drawing/2014/main" id="{61CC717D-E0B3-440C-8527-0F6B5FADCA9C}"/>
               </a:ext>
             </a:extLst>
           </p:cNvPr>
@@ -5589,9 +5570,9 @@
           <p:nvPr/>
         </p:nvCxnSpPr>
         <p:spPr>
-          <a:xfrm>
-            <a:off x="3340427" y="428363"/>
-            <a:ext cx="44974" cy="4172231"/>
+          <a:xfrm flipV="1">
+            <a:off x="7970098" y="1692917"/>
+            <a:ext cx="750351" cy="1"/>
           </a:xfrm>
           <a:prstGeom prst="line">
             <a:avLst/>
@@ -5612,12 +5593,174 @@
           </a:fontRef>
         </p:style>
       </p:cxnSp>
-      <p:sp>
-        <p:nvSpPr>
-          <p:cNvPr id="64" name="Textfeld 63">
-            <a:extLst>
-              <a:ext uri="{FF2B5EF4-FFF2-40B4-BE49-F238E27FC236}">
-                <a16:creationId xmlns:a16="http://schemas.microsoft.com/office/drawing/2014/main" id="{C58FAB29-5840-49ED-BE1F-5638F65B184B}"/>
+      <p:cxnSp>
+        <p:nvCxnSpPr>
+          <p:cNvPr id="80" name="Gerader Verbinder 79">
+            <a:extLst>
+              <a:ext uri="{FF2B5EF4-FFF2-40B4-BE49-F238E27FC236}">
+                <a16:creationId xmlns:a16="http://schemas.microsoft.com/office/drawing/2014/main" id="{D2771178-55AD-4E5C-AB02-1B5D0788981D}"/>
+              </a:ext>
+            </a:extLst>
+          </p:cNvPr>
+          <p:cNvCxnSpPr>
+            <a:cxnSpLocks/>
+            <a:endCxn id="71" idx="2"/>
+          </p:cNvCxnSpPr>
+          <p:nvPr/>
+        </p:nvCxnSpPr>
+        <p:spPr>
+          <a:xfrm flipV="1">
+            <a:off x="7955558" y="2858610"/>
+            <a:ext cx="2108677" cy="14750"/>
+          </a:xfrm>
+          <a:prstGeom prst="line">
+            <a:avLst/>
+          </a:prstGeom>
+        </p:spPr>
+        <p:style>
+          <a:lnRef idx="1">
+            <a:schemeClr val="accent1"/>
+          </a:lnRef>
+          <a:fillRef idx="0">
+            <a:schemeClr val="accent1"/>
+          </a:fillRef>
+          <a:effectRef idx="0">
+            <a:schemeClr val="accent1"/>
+          </a:effectRef>
+          <a:fontRef idx="minor">
+            <a:schemeClr val="tx1"/>
+          </a:fontRef>
+        </p:style>
+      </p:cxnSp>
+      <p:cxnSp>
+        <p:nvCxnSpPr>
+          <p:cNvPr id="82" name="Gerader Verbinder 81">
+            <a:extLst>
+              <a:ext uri="{FF2B5EF4-FFF2-40B4-BE49-F238E27FC236}">
+                <a16:creationId xmlns:a16="http://schemas.microsoft.com/office/drawing/2014/main" id="{F217D5D6-21AF-44BB-A1CB-46FAD7EA276A}"/>
+              </a:ext>
+            </a:extLst>
+          </p:cNvPr>
+          <p:cNvCxnSpPr>
+            <a:cxnSpLocks/>
+            <a:endCxn id="61" idx="2"/>
+          </p:cNvCxnSpPr>
+          <p:nvPr/>
+        </p:nvCxnSpPr>
+        <p:spPr>
+          <a:xfrm>
+            <a:off x="8720449" y="2568119"/>
+            <a:ext cx="901268" cy="0"/>
+          </a:xfrm>
+          <a:prstGeom prst="line">
+            <a:avLst/>
+          </a:prstGeom>
+        </p:spPr>
+        <p:style>
+          <a:lnRef idx="1">
+            <a:schemeClr val="accent1"/>
+          </a:lnRef>
+          <a:fillRef idx="0">
+            <a:schemeClr val="accent1"/>
+          </a:fillRef>
+          <a:effectRef idx="0">
+            <a:schemeClr val="accent1"/>
+          </a:effectRef>
+          <a:fontRef idx="minor">
+            <a:schemeClr val="tx1"/>
+          </a:fontRef>
+        </p:style>
+      </p:cxnSp>
+      <p:cxnSp>
+        <p:nvCxnSpPr>
+          <p:cNvPr id="84" name="Gerader Verbinder 83">
+            <a:extLst>
+              <a:ext uri="{FF2B5EF4-FFF2-40B4-BE49-F238E27FC236}">
+                <a16:creationId xmlns:a16="http://schemas.microsoft.com/office/drawing/2014/main" id="{EC558734-BD14-423C-9F88-E4583E3FC7F4}"/>
+              </a:ext>
+            </a:extLst>
+          </p:cNvPr>
+          <p:cNvCxnSpPr>
+            <a:cxnSpLocks/>
+          </p:cNvCxnSpPr>
+          <p:nvPr/>
+        </p:nvCxnSpPr>
+        <p:spPr>
+          <a:xfrm>
+            <a:off x="8720449" y="1692917"/>
+            <a:ext cx="0" cy="855771"/>
+          </a:xfrm>
+          <a:prstGeom prst="line">
+            <a:avLst/>
+          </a:prstGeom>
+        </p:spPr>
+        <p:style>
+          <a:lnRef idx="1">
+            <a:schemeClr val="accent1"/>
+          </a:lnRef>
+          <a:fillRef idx="0">
+            <a:schemeClr val="accent1"/>
+          </a:fillRef>
+          <a:effectRef idx="0">
+            <a:schemeClr val="accent1"/>
+          </a:effectRef>
+          <a:fontRef idx="minor">
+            <a:schemeClr val="tx1"/>
+          </a:fontRef>
+        </p:style>
+      </p:cxnSp>
+      <p:sp>
+        <p:nvSpPr>
+          <p:cNvPr id="86" name="Ellipse 85">
+            <a:extLst>
+              <a:ext uri="{FF2B5EF4-FFF2-40B4-BE49-F238E27FC236}">
+                <a16:creationId xmlns:a16="http://schemas.microsoft.com/office/drawing/2014/main" id="{0CB24BB7-3249-42E9-A0A4-08B5F3213657}"/>
+              </a:ext>
+            </a:extLst>
+          </p:cNvPr>
+          <p:cNvSpPr/>
+          <p:nvPr/>
+        </p:nvSpPr>
+        <p:spPr>
+          <a:xfrm>
+            <a:off x="3302126" y="407227"/>
+            <a:ext cx="81125" cy="68436"/>
+          </a:xfrm>
+          <a:prstGeom prst="ellipse">
+            <a:avLst/>
+          </a:prstGeom>
+        </p:spPr>
+        <p:style>
+          <a:lnRef idx="2">
+            <a:schemeClr val="accent1">
+              <a:shade val="50000"/>
+            </a:schemeClr>
+          </a:lnRef>
+          <a:fillRef idx="1">
+            <a:schemeClr val="accent1"/>
+          </a:fillRef>
+          <a:effectRef idx="0">
+            <a:schemeClr val="accent1"/>
+          </a:effectRef>
+          <a:fontRef idx="minor">
+            <a:schemeClr val="lt1"/>
+          </a:fontRef>
+        </p:style>
+        <p:txBody>
+          <a:bodyPr rtlCol="0" anchor="ctr"/>
+          <a:lstStyle/>
+          <a:p>
+            <a:pPr algn="ctr"/>
+            <a:endParaRPr lang="de-DE"/>
+          </a:p>
+        </p:txBody>
+      </p:sp>
+      <p:sp>
+        <p:nvSpPr>
+          <p:cNvPr id="88" name="Textfeld 87">
+            <a:extLst>
+              <a:ext uri="{FF2B5EF4-FFF2-40B4-BE49-F238E27FC236}">
+                <a16:creationId xmlns:a16="http://schemas.microsoft.com/office/drawing/2014/main" id="{59F30261-6237-45C6-9ACA-0C9A47E9D11B}"/>
               </a:ext>
             </a:extLst>
           </p:cNvPr>
@@ -5626,8 +5769,8 @@
         </p:nvSpPr>
         <p:spPr>
           <a:xfrm>
-            <a:off x="3332773" y="4341407"/>
-            <a:ext cx="428322" cy="276999"/>
+            <a:off x="7529328" y="2732040"/>
+            <a:ext cx="450764" cy="276999"/>
           </a:xfrm>
           <a:prstGeom prst="rect">
             <a:avLst/>
@@ -5642,80 +5785,7 @@
           <a:p>
             <a:r>
               <a:rPr lang="de-DE" sz="1200" dirty="0"/>
-              <a:t>12V</a:t>
-            </a:r>
-          </a:p>
-        </p:txBody>
-      </p:sp>
-      <p:sp>
-        <p:nvSpPr>
-          <p:cNvPr id="65" name="Textfeld 64">
-            <a:extLst>
-              <a:ext uri="{FF2B5EF4-FFF2-40B4-BE49-F238E27FC236}">
-                <a16:creationId xmlns:a16="http://schemas.microsoft.com/office/drawing/2014/main" id="{4F91A4FB-E593-4CC2-9483-C060C4316ECD}"/>
-              </a:ext>
-            </a:extLst>
-          </p:cNvPr>
-          <p:cNvSpPr txBox="1"/>
-          <p:nvPr/>
-        </p:nvSpPr>
-        <p:spPr>
-          <a:xfrm>
-            <a:off x="6256891" y="3170527"/>
-            <a:ext cx="949299" cy="461665"/>
-          </a:xfrm>
-          <a:prstGeom prst="rect">
-            <a:avLst/>
-          </a:prstGeom>
-          <a:noFill/>
-        </p:spPr>
-        <p:txBody>
-          <a:bodyPr wrap="none" rtlCol="0">
-            <a:spAutoFit/>
-          </a:bodyPr>
-          <a:lstStyle/>
-          <a:p>
-            <a:r>
-              <a:rPr lang="de-DE" sz="1200" dirty="0"/>
-              <a:t>Zu ULN2003</a:t>
-            </a:r>
-          </a:p>
-          <a:p>
-            <a:endParaRPr lang="de-DE" sz="1200" dirty="0"/>
-          </a:p>
-        </p:txBody>
-      </p:sp>
-      <p:sp>
-        <p:nvSpPr>
-          <p:cNvPr id="66" name="Textfeld 65">
-            <a:extLst>
-              <a:ext uri="{FF2B5EF4-FFF2-40B4-BE49-F238E27FC236}">
-                <a16:creationId xmlns:a16="http://schemas.microsoft.com/office/drawing/2014/main" id="{F411A114-EBF9-4E3E-87E3-CE418C87BE41}"/>
-              </a:ext>
-            </a:extLst>
-          </p:cNvPr>
-          <p:cNvSpPr txBox="1"/>
-          <p:nvPr/>
-        </p:nvSpPr>
-        <p:spPr>
-          <a:xfrm>
-            <a:off x="410019" y="1766678"/>
-            <a:ext cx="723531" cy="276999"/>
-          </a:xfrm>
-          <a:prstGeom prst="rect">
-            <a:avLst/>
-          </a:prstGeom>
-          <a:noFill/>
-        </p:spPr>
-        <p:txBody>
-          <a:bodyPr wrap="none" rtlCol="0">
-            <a:spAutoFit/>
-          </a:bodyPr>
-          <a:lstStyle/>
-          <a:p>
-            <a:r>
-              <a:rPr lang="de-DE" sz="1200" dirty="0"/>
-              <a:t>Von Pico</a:t>
+              <a:t>ADC</a:t>
             </a:r>
           </a:p>
         </p:txBody>
